--- a/slides/p3568-slides.pptx
+++ b/slides/p3568-slides.pptx
@@ -814,7 +814,7 @@
           <a:p>
             <a:fld id="{2434BD09-B586-496D-A7C7-4A6458ECB1EF}" type="datetime8">
               <a:rPr lang="en-DE" smtClean="0"/>
-              <a:t>12/02/2025 13:22</a:t>
+              <a:t>12/02/2025 20:37</a:t>
             </a:fld>
             <a:endParaRPr lang="en-DE"/>
           </a:p>
@@ -985,7 +985,7 @@
           <a:p>
             <a:fld id="{2434BD09-B586-496D-A7C7-4A6458ECB1EF}" type="datetime8">
               <a:rPr lang="en-DE" smtClean="0"/>
-              <a:t>12/02/2025 13:22</a:t>
+              <a:t>12/02/2025 20:37</a:t>
             </a:fld>
             <a:endParaRPr lang="en-DE"/>
           </a:p>
@@ -1166,7 +1166,7 @@
           <a:p>
             <a:fld id="{2434BD09-B586-496D-A7C7-4A6458ECB1EF}" type="datetime8">
               <a:rPr lang="en-DE" smtClean="0"/>
-              <a:t>12/02/2025 13:22</a:t>
+              <a:t>12/02/2025 20:37</a:t>
             </a:fld>
             <a:endParaRPr lang="en-DE"/>
           </a:p>
@@ -1337,7 +1337,7 @@
           <a:p>
             <a:fld id="{2434BD09-B586-496D-A7C7-4A6458ECB1EF}" type="datetime8">
               <a:rPr lang="en-DE" smtClean="0"/>
-              <a:t>12/02/2025 13:22</a:t>
+              <a:t>12/02/2025 20:37</a:t>
             </a:fld>
             <a:endParaRPr lang="en-DE"/>
           </a:p>
@@ -1584,7 +1584,7 @@
           <a:p>
             <a:fld id="{2434BD09-B586-496D-A7C7-4A6458ECB1EF}" type="datetime8">
               <a:rPr lang="en-DE" smtClean="0"/>
-              <a:t>12/02/2025 13:22</a:t>
+              <a:t>12/02/2025 20:37</a:t>
             </a:fld>
             <a:endParaRPr lang="en-DE"/>
           </a:p>
@@ -1817,7 +1817,7 @@
           <a:p>
             <a:fld id="{2434BD09-B586-496D-A7C7-4A6458ECB1EF}" type="datetime8">
               <a:rPr lang="en-DE" smtClean="0"/>
-              <a:t>12/02/2025 13:22</a:t>
+              <a:t>12/02/2025 20:37</a:t>
             </a:fld>
             <a:endParaRPr lang="en-DE"/>
           </a:p>
@@ -2185,7 +2185,7 @@
           <a:p>
             <a:fld id="{2434BD09-B586-496D-A7C7-4A6458ECB1EF}" type="datetime8">
               <a:rPr lang="en-DE" smtClean="0"/>
-              <a:t>12/02/2025 13:22</a:t>
+              <a:t>12/02/2025 20:37</a:t>
             </a:fld>
             <a:endParaRPr lang="en-DE"/>
           </a:p>
@@ -2304,7 +2304,7 @@
           <a:p>
             <a:fld id="{2434BD09-B586-496D-A7C7-4A6458ECB1EF}" type="datetime8">
               <a:rPr lang="en-DE" smtClean="0"/>
-              <a:t>12/02/2025 13:22</a:t>
+              <a:t>12/02/2025 20:37</a:t>
             </a:fld>
             <a:endParaRPr lang="en-DE"/>
           </a:p>
@@ -2400,7 +2400,7 @@
           <a:p>
             <a:fld id="{2434BD09-B586-496D-A7C7-4A6458ECB1EF}" type="datetime8">
               <a:rPr lang="en-DE" smtClean="0"/>
-              <a:t>12/02/2025 13:22</a:t>
+              <a:t>12/02/2025 20:37</a:t>
             </a:fld>
             <a:endParaRPr lang="en-DE"/>
           </a:p>
@@ -2678,7 +2678,7 @@
           <a:p>
             <a:fld id="{2434BD09-B586-496D-A7C7-4A6458ECB1EF}" type="datetime8">
               <a:rPr lang="en-DE" smtClean="0"/>
-              <a:t>12/02/2025 13:22</a:t>
+              <a:t>12/02/2025 20:37</a:t>
             </a:fld>
             <a:endParaRPr lang="en-DE"/>
           </a:p>
@@ -2936,7 +2936,7 @@
           <a:p>
             <a:fld id="{2434BD09-B586-496D-A7C7-4A6458ECB1EF}" type="datetime8">
               <a:rPr lang="en-DE" smtClean="0"/>
-              <a:t>12/02/2025 13:22</a:t>
+              <a:t>12/02/2025 20:37</a:t>
             </a:fld>
             <a:endParaRPr lang="en-DE"/>
           </a:p>
@@ -3150,7 +3150,7 @@
           <a:p>
             <a:fld id="{2434BD09-B586-496D-A7C7-4A6458ECB1EF}" type="datetime8">
               <a:rPr lang="en-DE" smtClean="0"/>
-              <a:t>12/02/2025 13:22</a:t>
+              <a:t>12/02/2025 20:37</a:t>
             </a:fld>
             <a:endParaRPr lang="en-DE"/>
           </a:p>
@@ -3750,7 +3750,7 @@
                   </a:schemeClr>
                 </a:solidFill>
               </a:rPr>
-              <a:t>P3568</a:t>
+              <a:t>P3568R0</a:t>
             </a:r>
             <a:endParaRPr lang="de-DE" sz="4800" b="1" dirty="0">
               <a:solidFill>
@@ -4165,7 +4165,7 @@
                 </a:solidFill>
                 <a:latin typeface="Aptos Mono" panose="020B0009020202020204" pitchFamily="49" charset="0"/>
               </a:rPr>
-              <a:t>for</a:t>
+              <a:t>while</a:t>
             </a:r>
             <a:r>
               <a:rPr lang="de-DE" sz="2800" dirty="0">
@@ -4188,17 +4188,11 @@
             <a:r>
               <a:rPr lang="de-DE" sz="2800" dirty="0">
                 <a:solidFill>
-                  <a:srgbClr val="C00000"/>
-                </a:solidFill>
-                <a:latin typeface="Aptos Mono" panose="020B0009020202020204" pitchFamily="49" charset="0"/>
-              </a:rPr>
-              <a:t>auto</a:t>
-            </a:r>
-            <a:r>
-              <a:rPr lang="de-DE" sz="2800" dirty="0">
-                <a:latin typeface="Aptos Mono" panose="020B0009020202020204" pitchFamily="49" charset="0"/>
-              </a:rPr>
-              <a:t> x </a:t>
+                  <a:srgbClr val="00B050"/>
+                </a:solidFill>
+                <a:latin typeface="Aptos Mono" panose="020B0009020202020204" pitchFamily="49" charset="0"/>
+              </a:rPr>
+              <a:t>/*...*/</a:t>
             </a:r>
             <a:r>
               <a:rPr lang="de-DE" sz="2800" dirty="0">
@@ -4210,13 +4204,31 @@
                 </a:solidFill>
                 <a:latin typeface="Aptos Mono" panose="020B0009020202020204" pitchFamily="49" charset="0"/>
               </a:rPr>
-              <a:t>:</a:t>
-            </a:r>
+              <a:t>) {</a:t>
+            </a:r>
+          </a:p>
+          <a:p>
+            <a:pPr lvl="1"/>
             <a:r>
               <a:rPr lang="de-DE" sz="2800" dirty="0">
                 <a:latin typeface="Aptos Mono" panose="020B0009020202020204" pitchFamily="49" charset="0"/>
               </a:rPr>
-              <a:t> xs</a:t>
+              <a:t>    </a:t>
+            </a:r>
+            <a:r>
+              <a:rPr lang="de-DE" sz="2800" dirty="0">
+                <a:solidFill>
+                  <a:srgbClr val="C00000"/>
+                </a:solidFill>
+                <a:latin typeface="Aptos Mono" panose="020B0009020202020204" pitchFamily="49" charset="0"/>
+              </a:rPr>
+              <a:t>for</a:t>
+            </a:r>
+            <a:r>
+              <a:rPr lang="de-DE" sz="2800" dirty="0">
+                <a:latin typeface="Aptos Mono" panose="020B0009020202020204" pitchFamily="49" charset="0"/>
+              </a:rPr>
+              <a:t> </a:t>
             </a:r>
             <a:r>
               <a:rPr lang="de-DE" sz="2800" dirty="0">
@@ -4228,31 +4240,16 @@
                 </a:solidFill>
                 <a:latin typeface="Aptos Mono" panose="020B0009020202020204" pitchFamily="49" charset="0"/>
               </a:rPr>
-              <a:t>) {</a:t>
-            </a:r>
-          </a:p>
-          <a:p>
-            <a:pPr lvl="1"/>
+              <a:t>(</a:t>
+            </a:r>
             <a:r>
               <a:rPr lang="de-DE" sz="2800" dirty="0">
-                <a:latin typeface="Aptos Mono" panose="020B0009020202020204" pitchFamily="49" charset="0"/>
-              </a:rPr>
-              <a:t>    </a:t>
-            </a:r>
-            <a:r>
-              <a:rPr lang="de-DE" sz="2800" dirty="0">
-                <a:solidFill>
-                  <a:srgbClr val="C00000"/>
-                </a:solidFill>
-                <a:latin typeface="Aptos Mono" panose="020B0009020202020204" pitchFamily="49" charset="0"/>
-              </a:rPr>
-              <a:t>for</a:t>
-            </a:r>
-            <a:r>
-              <a:rPr lang="de-DE" sz="2800" dirty="0">
-                <a:latin typeface="Aptos Mono" panose="020B0009020202020204" pitchFamily="49" charset="0"/>
-              </a:rPr>
-              <a:t> </a:t>
+                <a:solidFill>
+                  <a:srgbClr val="00B050"/>
+                </a:solidFill>
+                <a:latin typeface="Aptos Mono" panose="020B0009020202020204" pitchFamily="49" charset="0"/>
+              </a:rPr>
+              <a:t>/*...*/</a:t>
             </a:r>
             <a:r>
               <a:rPr lang="de-DE" sz="2800" dirty="0">
@@ -4264,22 +4261,31 @@
                 </a:solidFill>
                 <a:latin typeface="Aptos Mono" panose="020B0009020202020204" pitchFamily="49" charset="0"/>
               </a:rPr>
-              <a:t>(</a:t>
-            </a:r>
+              <a:t>) {</a:t>
+            </a:r>
+          </a:p>
+          <a:p>
+            <a:pPr lvl="1"/>
             <a:r>
               <a:rPr lang="de-DE" sz="2800" dirty="0">
+                <a:latin typeface="Aptos Mono" panose="020B0009020202020204" pitchFamily="49" charset="0"/>
+              </a:rPr>
+              <a:t>        </a:t>
+            </a:r>
+            <a:r>
+              <a:rPr lang="de-DE" sz="2800" dirty="0">
                 <a:solidFill>
                   <a:srgbClr val="C00000"/>
                 </a:solidFill>
                 <a:latin typeface="Aptos Mono" panose="020B0009020202020204" pitchFamily="49" charset="0"/>
               </a:rPr>
-              <a:t>auto</a:t>
+              <a:t>if</a:t>
             </a:r>
             <a:r>
               <a:rPr lang="de-DE" sz="2800" dirty="0">
                 <a:latin typeface="Aptos Mono" panose="020B0009020202020204" pitchFamily="49" charset="0"/>
               </a:rPr>
-              <a:t> y </a:t>
+              <a:t> </a:t>
             </a:r>
             <a:r>
               <a:rPr lang="de-DE" sz="2800" dirty="0">
@@ -4291,13 +4297,16 @@
                 </a:solidFill>
                 <a:latin typeface="Aptos Mono" panose="020B0009020202020204" pitchFamily="49" charset="0"/>
               </a:rPr>
-              <a:t>:</a:t>
+              <a:t>(</a:t>
             </a:r>
             <a:r>
               <a:rPr lang="de-DE" sz="2800" dirty="0">
-                <a:latin typeface="Aptos Mono" panose="020B0009020202020204" pitchFamily="49" charset="0"/>
-              </a:rPr>
-              <a:t> ys</a:t>
+                <a:solidFill>
+                  <a:srgbClr val="00B050"/>
+                </a:solidFill>
+                <a:latin typeface="Aptos Mono" panose="020B0009020202020204" pitchFamily="49" charset="0"/>
+              </a:rPr>
+              <a:t>/*...*/</a:t>
             </a:r>
             <a:r>
               <a:rPr lang="de-DE" sz="2800" dirty="0">
@@ -4318,22 +4327,85 @@
               <a:rPr lang="de-DE" sz="2800" dirty="0">
                 <a:latin typeface="Aptos Mono" panose="020B0009020202020204" pitchFamily="49" charset="0"/>
               </a:rPr>
+              <a:t>            </a:t>
+            </a:r>
+            <a:r>
+              <a:rPr lang="de-DE" sz="2800" dirty="0">
+                <a:solidFill>
+                  <a:srgbClr val="C00000"/>
+                </a:solidFill>
+                <a:latin typeface="Aptos Mono" panose="020B0009020202020204" pitchFamily="49" charset="0"/>
+              </a:rPr>
+              <a:t>continue</a:t>
+            </a:r>
+            <a:r>
+              <a:rPr lang="de-DE" sz="2800" dirty="0">
+                <a:latin typeface="Aptos Mono" panose="020B0009020202020204" pitchFamily="49" charset="0"/>
+              </a:rPr>
+              <a:t> </a:t>
+            </a:r>
+            <a:r>
+              <a:rPr lang="de-DE" sz="2800" dirty="0">
+                <a:solidFill>
+                  <a:srgbClr val="002060"/>
+                </a:solidFill>
+                <a:latin typeface="Aptos Mono" panose="020B0009020202020204" pitchFamily="49" charset="0"/>
+              </a:rPr>
+              <a:t>outer</a:t>
+            </a:r>
+            <a:r>
+              <a:rPr lang="de-DE" sz="2800" dirty="0">
+                <a:latin typeface="Aptos Mono" panose="020B0009020202020204" pitchFamily="49" charset="0"/>
+              </a:rPr>
+              <a:t>;</a:t>
+            </a:r>
+          </a:p>
+          <a:p>
+            <a:pPr lvl="1"/>
+            <a:r>
+              <a:rPr lang="de-DE" sz="2800" dirty="0">
+                <a:latin typeface="Aptos Mono" panose="020B0009020202020204" pitchFamily="49" charset="0"/>
+              </a:rPr>
+              <a:t>            </a:t>
+            </a:r>
+            <a:r>
+              <a:rPr lang="de-DE" sz="2800" dirty="0">
+                <a:solidFill>
+                  <a:srgbClr val="C00000"/>
+                </a:solidFill>
+                <a:latin typeface="Aptos Mono" panose="020B0009020202020204" pitchFamily="49" charset="0"/>
+              </a:rPr>
+              <a:t>break</a:t>
+            </a:r>
+            <a:r>
+              <a:rPr lang="de-DE" sz="2800" dirty="0">
+                <a:latin typeface="Aptos Mono" panose="020B0009020202020204" pitchFamily="49" charset="0"/>
+              </a:rPr>
+              <a:t> </a:t>
+            </a:r>
+            <a:r>
+              <a:rPr lang="de-DE" sz="2800" dirty="0">
+                <a:solidFill>
+                  <a:srgbClr val="002060"/>
+                </a:solidFill>
+                <a:latin typeface="Aptos Mono" panose="020B0009020202020204" pitchFamily="49" charset="0"/>
+              </a:rPr>
+              <a:t>outer</a:t>
+            </a:r>
+            <a:r>
+              <a:rPr lang="de-DE" sz="2800" dirty="0">
+                <a:latin typeface="Aptos Mono" panose="020B0009020202020204" pitchFamily="49" charset="0"/>
+              </a:rPr>
+              <a:t>;</a:t>
+            </a:r>
+          </a:p>
+          <a:p>
+            <a:pPr lvl="1"/>
+            <a:r>
+              <a:rPr lang="de-DE" sz="2800" dirty="0">
+                <a:latin typeface="Aptos Mono" panose="020B0009020202020204" pitchFamily="49" charset="0"/>
+              </a:rPr>
               <a:t>        </a:t>
-            </a:r>
-            <a:r>
-              <a:rPr lang="de-DE" sz="2800" dirty="0">
-                <a:solidFill>
-                  <a:srgbClr val="C00000"/>
-                </a:solidFill>
-                <a:latin typeface="Aptos Mono" panose="020B0009020202020204" pitchFamily="49" charset="0"/>
-              </a:rPr>
-              <a:t>if</a:t>
-            </a:r>
-            <a:r>
-              <a:rPr lang="de-DE" sz="2800" dirty="0">
-                <a:latin typeface="Aptos Mono" panose="020B0009020202020204" pitchFamily="49" charset="0"/>
-              </a:rPr>
-              <a:t> </a:t>
             </a:r>
             <a:r>
               <a:rPr lang="de-DE" sz="2800" dirty="0">
@@ -4345,16 +4417,16 @@
                 </a:solidFill>
                 <a:latin typeface="Aptos Mono" panose="020B0009020202020204" pitchFamily="49" charset="0"/>
               </a:rPr>
-              <a:t>(</a:t>
-            </a:r>
+              <a:t>}</a:t>
+            </a:r>
+          </a:p>
+          <a:p>
+            <a:pPr lvl="1"/>
             <a:r>
               <a:rPr lang="de-DE" sz="2800" dirty="0">
-                <a:solidFill>
-                  <a:srgbClr val="00B050"/>
-                </a:solidFill>
-                <a:latin typeface="Aptos Mono" panose="020B0009020202020204" pitchFamily="49" charset="0"/>
-              </a:rPr>
-              <a:t>/* ... */</a:t>
+                <a:latin typeface="Aptos Mono" panose="020B0009020202020204" pitchFamily="49" charset="0"/>
+              </a:rPr>
+              <a:t>    </a:t>
             </a:r>
             <a:r>
               <a:rPr lang="de-DE" sz="2800" dirty="0">
@@ -4366,95 +4438,11 @@
                 </a:solidFill>
                 <a:latin typeface="Aptos Mono" panose="020B0009020202020204" pitchFamily="49" charset="0"/>
               </a:rPr>
-              <a:t>) {</a:t>
+              <a:t>}</a:t>
             </a:r>
           </a:p>
           <a:p>
             <a:pPr lvl="1"/>
-            <a:r>
-              <a:rPr lang="de-DE" sz="2800" dirty="0">
-                <a:latin typeface="Aptos Mono" panose="020B0009020202020204" pitchFamily="49" charset="0"/>
-              </a:rPr>
-              <a:t>            </a:t>
-            </a:r>
-            <a:r>
-              <a:rPr lang="de-DE" sz="2800" dirty="0">
-                <a:solidFill>
-                  <a:srgbClr val="C00000"/>
-                </a:solidFill>
-                <a:latin typeface="Aptos Mono" panose="020B0009020202020204" pitchFamily="49" charset="0"/>
-              </a:rPr>
-              <a:t>continue</a:t>
-            </a:r>
-            <a:r>
-              <a:rPr lang="de-DE" sz="2800" dirty="0">
-                <a:latin typeface="Aptos Mono" panose="020B0009020202020204" pitchFamily="49" charset="0"/>
-              </a:rPr>
-              <a:t> </a:t>
-            </a:r>
-            <a:r>
-              <a:rPr lang="de-DE" sz="2800" dirty="0">
-                <a:solidFill>
-                  <a:srgbClr val="002060"/>
-                </a:solidFill>
-                <a:latin typeface="Aptos Mono" panose="020B0009020202020204" pitchFamily="49" charset="0"/>
-              </a:rPr>
-              <a:t>outer</a:t>
-            </a:r>
-            <a:r>
-              <a:rPr lang="de-DE" sz="2800" dirty="0">
-                <a:latin typeface="Aptos Mono" panose="020B0009020202020204" pitchFamily="49" charset="0"/>
-              </a:rPr>
-              <a:t>;</a:t>
-            </a:r>
-          </a:p>
-          <a:p>
-            <a:pPr lvl="1"/>
-            <a:r>
-              <a:rPr lang="de-DE" sz="2800" dirty="0">
-                <a:latin typeface="Aptos Mono" panose="020B0009020202020204" pitchFamily="49" charset="0"/>
-              </a:rPr>
-              <a:t>            </a:t>
-            </a:r>
-            <a:r>
-              <a:rPr lang="de-DE" sz="2800" dirty="0">
-                <a:solidFill>
-                  <a:srgbClr val="C00000"/>
-                </a:solidFill>
-                <a:latin typeface="Aptos Mono" panose="020B0009020202020204" pitchFamily="49" charset="0"/>
-              </a:rPr>
-              <a:t>break</a:t>
-            </a:r>
-            <a:r>
-              <a:rPr lang="de-DE" sz="2800" dirty="0">
-                <a:latin typeface="Aptos Mono" panose="020B0009020202020204" pitchFamily="49" charset="0"/>
-              </a:rPr>
-              <a:t> </a:t>
-            </a:r>
-            <a:r>
-              <a:rPr lang="de-DE" sz="2800" dirty="0">
-                <a:solidFill>
-                  <a:srgbClr val="002060"/>
-                </a:solidFill>
-                <a:latin typeface="Aptos Mono" panose="020B0009020202020204" pitchFamily="49" charset="0"/>
-              </a:rPr>
-              <a:t>outer</a:t>
-            </a:r>
-            <a:r>
-              <a:rPr lang="de-DE" sz="2800" dirty="0">
-                <a:latin typeface="Aptos Mono" panose="020B0009020202020204" pitchFamily="49" charset="0"/>
-              </a:rPr>
-              <a:t>;</a:t>
-            </a:r>
-          </a:p>
-          <a:p>
-            <a:pPr lvl="1"/>
-            <a:r>
-              <a:rPr lang="de-DE" sz="2800" dirty="0">
-                <a:latin typeface="Aptos Mono" panose="020B0009020202020204" pitchFamily="49" charset="0"/>
-              </a:rPr>
-              <a:t>        </a:t>
-            </a:r>
             <a:r>
               <a:rPr lang="de-DE" sz="2800" dirty="0">
                 <a:solidFill>
@@ -4472,9 +4460,12 @@
             <a:pPr lvl="1"/>
             <a:r>
               <a:rPr lang="de-DE" sz="2800" dirty="0">
-                <a:latin typeface="Aptos Mono" panose="020B0009020202020204" pitchFamily="49" charset="0"/>
-              </a:rPr>
-              <a:t>    </a:t>
+                <a:solidFill>
+                  <a:srgbClr val="002060"/>
+                </a:solidFill>
+                <a:latin typeface="Aptos Mono" panose="020B0009020202020204" pitchFamily="49" charset="0"/>
+              </a:rPr>
+              <a:t>outer</a:t>
             </a:r>
             <a:r>
               <a:rPr lang="de-DE" sz="2800" dirty="0">
@@ -4486,55 +4477,16 @@
                 </a:solidFill>
                 <a:latin typeface="Aptos Mono" panose="020B0009020202020204" pitchFamily="49" charset="0"/>
               </a:rPr>
-              <a:t>}</a:t>
-            </a:r>
-          </a:p>
-          <a:p>
-            <a:pPr lvl="1"/>
+              <a:t>: </a:t>
+            </a:r>
             <a:r>
               <a:rPr lang="de-DE" sz="2800" dirty="0">
                 <a:solidFill>
-                  <a:schemeClr val="tx1">
-                    <a:lumMod val="50000"/>
-                    <a:lumOff val="50000"/>
-                  </a:schemeClr>
-                </a:solidFill>
-                <a:latin typeface="Aptos Mono" panose="020B0009020202020204" pitchFamily="49" charset="0"/>
-              </a:rPr>
-              <a:t>}</a:t>
-            </a:r>
-          </a:p>
-          <a:p>
-            <a:pPr lvl="1"/>
-            <a:r>
-              <a:rPr lang="de-DE" sz="2800" dirty="0">
-                <a:solidFill>
-                  <a:srgbClr val="002060"/>
-                </a:solidFill>
-                <a:latin typeface="Aptos Mono" panose="020B0009020202020204" pitchFamily="49" charset="0"/>
-              </a:rPr>
-              <a:t>outer</a:t>
-            </a:r>
-            <a:r>
-              <a:rPr lang="de-DE" sz="2800" dirty="0">
-                <a:solidFill>
-                  <a:schemeClr val="tx1">
-                    <a:lumMod val="50000"/>
-                    <a:lumOff val="50000"/>
-                  </a:schemeClr>
-                </a:solidFill>
-                <a:latin typeface="Aptos Mono" panose="020B0009020202020204" pitchFamily="49" charset="0"/>
-              </a:rPr>
-              <a:t>: </a:t>
-            </a:r>
-            <a:r>
-              <a:rPr lang="de-DE" sz="2800" dirty="0">
-                <a:solidFill>
                   <a:srgbClr val="00B050"/>
                 </a:solidFill>
                 <a:latin typeface="Aptos Mono" panose="020B0009020202020204" pitchFamily="49" charset="0"/>
               </a:rPr>
-              <a:t>/* ... */</a:t>
+              <a:t>/*...*/</a:t>
             </a:r>
           </a:p>
         </p:txBody>
@@ -4801,7 +4753,7 @@
         </p:nvSpPr>
         <p:spPr>
           <a:xfrm>
-            <a:off x="10335620" y="6233753"/>
+            <a:off x="10346227" y="6202975"/>
             <a:ext cx="2045066" cy="707886"/>
           </a:xfrm>
           <a:prstGeom prst="rect">
@@ -4928,7 +4880,7 @@
                   </a:schemeClr>
                 </a:solidFill>
               </a:rPr>
-              <a:t>P3568 break label; and continue label;</a:t>
+              <a:t>P3568R0 break label; and continue label;</a:t>
             </a:r>
             <a:endParaRPr lang="de-DE" b="1" dirty="0">
               <a:solidFill>
@@ -5082,7 +5034,7 @@
             <a:pPr lvl="1" algn="ctr"/>
             <a:r>
               <a:rPr lang="de-DE" sz="3200" b="1" dirty="0"/>
-              <a:t>WG21 P3569</a:t>
+              <a:t>WG21 P3568</a:t>
             </a:r>
           </a:p>
           <a:p>
@@ -5160,17 +5112,11 @@
             <a:r>
               <a:rPr lang="de-DE" sz="2000" dirty="0">
                 <a:solidFill>
-                  <a:srgbClr val="C00000"/>
-                </a:solidFill>
-                <a:latin typeface="Aptos Mono" panose="020B0009020202020204" pitchFamily="49" charset="0"/>
-              </a:rPr>
-              <a:t>auto</a:t>
-            </a:r>
-            <a:r>
-              <a:rPr lang="de-DE" sz="2000" dirty="0">
-                <a:latin typeface="Aptos Mono" panose="020B0009020202020204" pitchFamily="49" charset="0"/>
-              </a:rPr>
-              <a:t> x </a:t>
+                  <a:srgbClr val="00B050"/>
+                </a:solidFill>
+                <a:latin typeface="Aptos Mono" panose="020B0009020202020204" pitchFamily="49" charset="0"/>
+              </a:rPr>
+              <a:t>/*...*/</a:t>
             </a:r>
             <a:r>
               <a:rPr lang="de-DE" sz="2000" dirty="0">
@@ -5182,13 +5128,31 @@
                 </a:solidFill>
                 <a:latin typeface="Aptos Mono" panose="020B0009020202020204" pitchFamily="49" charset="0"/>
               </a:rPr>
-              <a:t>:</a:t>
-            </a:r>
-            <a:r>
-              <a:rPr lang="de-DE" sz="2000" dirty="0">
-                <a:latin typeface="Aptos Mono" panose="020B0009020202020204" pitchFamily="49" charset="0"/>
-              </a:rPr>
-              <a:t> xs</a:t>
+              <a:t>) {</a:t>
+            </a:r>
+          </a:p>
+          <a:p>
+            <a:pPr lvl="1"/>
+            <a:r>
+              <a:rPr lang="de-DE" sz="2000" dirty="0">
+                <a:latin typeface="Aptos Mono" panose="020B0009020202020204" pitchFamily="49" charset="0"/>
+              </a:rPr>
+              <a:t>    </a:t>
+            </a:r>
+            <a:r>
+              <a:rPr lang="de-DE" sz="2000" dirty="0">
+                <a:solidFill>
+                  <a:srgbClr val="C00000"/>
+                </a:solidFill>
+                <a:latin typeface="Aptos Mono" panose="020B0009020202020204" pitchFamily="49" charset="0"/>
+              </a:rPr>
+              <a:t>for</a:t>
+            </a:r>
+            <a:r>
+              <a:rPr lang="de-DE" sz="2000" dirty="0">
+                <a:latin typeface="Aptos Mono" panose="020B0009020202020204" pitchFamily="49" charset="0"/>
+              </a:rPr>
+              <a:t> </a:t>
             </a:r>
             <a:r>
               <a:rPr lang="de-DE" sz="2000" dirty="0">
@@ -5200,76 +5164,16 @@
                 </a:solidFill>
                 <a:latin typeface="Aptos Mono" panose="020B0009020202020204" pitchFamily="49" charset="0"/>
               </a:rPr>
-              <a:t>) {</a:t>
-            </a:r>
-          </a:p>
-          <a:p>
-            <a:pPr lvl="1"/>
-            <a:r>
-              <a:rPr lang="de-DE" sz="2000" dirty="0">
-                <a:latin typeface="Aptos Mono" panose="020B0009020202020204" pitchFamily="49" charset="0"/>
-              </a:rPr>
-              <a:t>    </a:t>
-            </a:r>
-            <a:r>
-              <a:rPr lang="de-DE" sz="2000" dirty="0">
-                <a:solidFill>
-                  <a:srgbClr val="C00000"/>
-                </a:solidFill>
-                <a:latin typeface="Aptos Mono" panose="020B0009020202020204" pitchFamily="49" charset="0"/>
-              </a:rPr>
-              <a:t>for</a:t>
-            </a:r>
-            <a:r>
-              <a:rPr lang="de-DE" sz="2000" dirty="0">
-                <a:latin typeface="Aptos Mono" panose="020B0009020202020204" pitchFamily="49" charset="0"/>
-              </a:rPr>
-              <a:t> </a:t>
-            </a:r>
-            <a:r>
-              <a:rPr lang="de-DE" sz="2000" dirty="0">
-                <a:solidFill>
-                  <a:schemeClr val="tx1">
-                    <a:lumMod val="50000"/>
-                    <a:lumOff val="50000"/>
-                  </a:schemeClr>
-                </a:solidFill>
-                <a:latin typeface="Aptos Mono" panose="020B0009020202020204" pitchFamily="49" charset="0"/>
-              </a:rPr>
               <a:t>(</a:t>
             </a:r>
             <a:r>
               <a:rPr lang="de-DE" sz="2000" dirty="0">
                 <a:solidFill>
-                  <a:srgbClr val="C00000"/>
-                </a:solidFill>
-                <a:latin typeface="Aptos Mono" panose="020B0009020202020204" pitchFamily="49" charset="0"/>
-              </a:rPr>
-              <a:t>auto</a:t>
-            </a:r>
-            <a:r>
-              <a:rPr lang="de-DE" sz="2000" dirty="0">
-                <a:latin typeface="Aptos Mono" panose="020B0009020202020204" pitchFamily="49" charset="0"/>
-              </a:rPr>
-              <a:t> y </a:t>
-            </a:r>
-            <a:r>
-              <a:rPr lang="de-DE" sz="2000" dirty="0">
-                <a:solidFill>
-                  <a:schemeClr val="tx1">
-                    <a:lumMod val="50000"/>
-                    <a:lumOff val="50000"/>
-                  </a:schemeClr>
-                </a:solidFill>
-                <a:latin typeface="Aptos Mono" panose="020B0009020202020204" pitchFamily="49" charset="0"/>
-              </a:rPr>
-              <a:t>:</a:t>
-            </a:r>
-            <a:r>
-              <a:rPr lang="de-DE" sz="2000" dirty="0">
-                <a:latin typeface="Aptos Mono" panose="020B0009020202020204" pitchFamily="49" charset="0"/>
-              </a:rPr>
-              <a:t> ys</a:t>
+                  <a:srgbClr val="00B050"/>
+                </a:solidFill>
+                <a:latin typeface="Aptos Mono" panose="020B0009020202020204" pitchFamily="49" charset="0"/>
+              </a:rPr>
+              <a:t>/*...*/</a:t>
             </a:r>
             <a:r>
               <a:rPr lang="de-DE" sz="2000" dirty="0">
@@ -5842,7 +5746,7 @@
         </p:nvSpPr>
         <p:spPr>
           <a:xfrm>
-            <a:off x="10335620" y="6233753"/>
+            <a:off x="10346227" y="6202975"/>
             <a:ext cx="2045066" cy="707886"/>
           </a:xfrm>
           <a:prstGeom prst="rect">
@@ -5969,7 +5873,7 @@
                   </a:schemeClr>
                 </a:solidFill>
               </a:rPr>
-              <a:t>P3568 break label; and continue label;</a:t>
+              <a:t>P3568R0 break label; and continue label;</a:t>
             </a:r>
             <a:endParaRPr lang="de-DE" b="1" dirty="0">
               <a:solidFill>
@@ -6087,7 +5991,7 @@
             <a:pPr lvl="1" algn="ctr"/>
             <a:r>
               <a:rPr lang="de-DE" sz="3200" b="1" dirty="0"/>
-              <a:t>WG14 N3355</a:t>
+              <a:t>WG14 N3377</a:t>
             </a:r>
           </a:p>
           <a:p>
@@ -6147,17 +6051,11 @@
             <a:r>
               <a:rPr lang="de-DE" sz="2000" dirty="0">
                 <a:solidFill>
-                  <a:srgbClr val="C00000"/>
-                </a:solidFill>
-                <a:latin typeface="Aptos Mono" panose="020B0009020202020204" pitchFamily="49" charset="0"/>
-              </a:rPr>
-              <a:t>auto</a:t>
-            </a:r>
-            <a:r>
-              <a:rPr lang="de-DE" sz="2000" dirty="0">
-                <a:latin typeface="Aptos Mono" panose="020B0009020202020204" pitchFamily="49" charset="0"/>
-              </a:rPr>
-              <a:t> x </a:t>
+                  <a:srgbClr val="00B050"/>
+                </a:solidFill>
+                <a:latin typeface="Aptos Mono" panose="020B0009020202020204" pitchFamily="49" charset="0"/>
+              </a:rPr>
+              <a:t>/*...*/</a:t>
             </a:r>
             <a:r>
               <a:rPr lang="de-DE" sz="2000" dirty="0">
@@ -6169,13 +6067,31 @@
                 </a:solidFill>
                 <a:latin typeface="Aptos Mono" panose="020B0009020202020204" pitchFamily="49" charset="0"/>
               </a:rPr>
-              <a:t>:</a:t>
-            </a:r>
-            <a:r>
-              <a:rPr lang="de-DE" sz="2000" dirty="0">
-                <a:latin typeface="Aptos Mono" panose="020B0009020202020204" pitchFamily="49" charset="0"/>
-              </a:rPr>
-              <a:t> xs</a:t>
+              <a:t>) {</a:t>
+            </a:r>
+          </a:p>
+          <a:p>
+            <a:pPr lvl="1"/>
+            <a:r>
+              <a:rPr lang="de-DE" sz="2000" dirty="0">
+                <a:latin typeface="Aptos Mono" panose="020B0009020202020204" pitchFamily="49" charset="0"/>
+              </a:rPr>
+              <a:t>    </a:t>
+            </a:r>
+            <a:r>
+              <a:rPr lang="de-DE" sz="2000" dirty="0">
+                <a:solidFill>
+                  <a:srgbClr val="C00000"/>
+                </a:solidFill>
+                <a:latin typeface="Aptos Mono" panose="020B0009020202020204" pitchFamily="49" charset="0"/>
+              </a:rPr>
+              <a:t>for</a:t>
+            </a:r>
+            <a:r>
+              <a:rPr lang="de-DE" sz="2000" dirty="0">
+                <a:latin typeface="Aptos Mono" panose="020B0009020202020204" pitchFamily="49" charset="0"/>
+              </a:rPr>
+              <a:t> </a:t>
             </a:r>
             <a:r>
               <a:rPr lang="de-DE" sz="2000" dirty="0">
@@ -6187,76 +6103,16 @@
                 </a:solidFill>
                 <a:latin typeface="Aptos Mono" panose="020B0009020202020204" pitchFamily="49" charset="0"/>
               </a:rPr>
-              <a:t>) {</a:t>
-            </a:r>
-          </a:p>
-          <a:p>
-            <a:pPr lvl="1"/>
-            <a:r>
-              <a:rPr lang="de-DE" sz="2000" dirty="0">
-                <a:latin typeface="Aptos Mono" panose="020B0009020202020204" pitchFamily="49" charset="0"/>
-              </a:rPr>
-              <a:t>    </a:t>
-            </a:r>
-            <a:r>
-              <a:rPr lang="de-DE" sz="2000" dirty="0">
-                <a:solidFill>
-                  <a:srgbClr val="C00000"/>
-                </a:solidFill>
-                <a:latin typeface="Aptos Mono" panose="020B0009020202020204" pitchFamily="49" charset="0"/>
-              </a:rPr>
-              <a:t>for</a:t>
-            </a:r>
-            <a:r>
-              <a:rPr lang="de-DE" sz="2000" dirty="0">
-                <a:latin typeface="Aptos Mono" panose="020B0009020202020204" pitchFamily="49" charset="0"/>
-              </a:rPr>
-              <a:t> </a:t>
-            </a:r>
-            <a:r>
-              <a:rPr lang="de-DE" sz="2000" dirty="0">
-                <a:solidFill>
-                  <a:schemeClr val="tx1">
-                    <a:lumMod val="50000"/>
-                    <a:lumOff val="50000"/>
-                  </a:schemeClr>
-                </a:solidFill>
-                <a:latin typeface="Aptos Mono" panose="020B0009020202020204" pitchFamily="49" charset="0"/>
-              </a:rPr>
               <a:t>(</a:t>
             </a:r>
             <a:r>
               <a:rPr lang="de-DE" sz="2000" dirty="0">
                 <a:solidFill>
-                  <a:srgbClr val="C00000"/>
-                </a:solidFill>
-                <a:latin typeface="Aptos Mono" panose="020B0009020202020204" pitchFamily="49" charset="0"/>
-              </a:rPr>
-              <a:t>auto</a:t>
-            </a:r>
-            <a:r>
-              <a:rPr lang="de-DE" sz="2000" dirty="0">
-                <a:latin typeface="Aptos Mono" panose="020B0009020202020204" pitchFamily="49" charset="0"/>
-              </a:rPr>
-              <a:t> y </a:t>
-            </a:r>
-            <a:r>
-              <a:rPr lang="de-DE" sz="2000" dirty="0">
-                <a:solidFill>
-                  <a:schemeClr val="tx1">
-                    <a:lumMod val="50000"/>
-                    <a:lumOff val="50000"/>
-                  </a:schemeClr>
-                </a:solidFill>
-                <a:latin typeface="Aptos Mono" panose="020B0009020202020204" pitchFamily="49" charset="0"/>
-              </a:rPr>
-              <a:t>:</a:t>
-            </a:r>
-            <a:r>
-              <a:rPr lang="de-DE" sz="2000" dirty="0">
-                <a:latin typeface="Aptos Mono" panose="020B0009020202020204" pitchFamily="49" charset="0"/>
-              </a:rPr>
-              <a:t> ys</a:t>
+                  <a:srgbClr val="00B050"/>
+                </a:solidFill>
+                <a:latin typeface="Aptos Mono" panose="020B0009020202020204" pitchFamily="49" charset="0"/>
+              </a:rPr>
+              <a:t>/*...*/</a:t>
             </a:r>
             <a:r>
               <a:rPr lang="de-DE" sz="2000" dirty="0">

--- a/slides/p3568-slides.pptx
+++ b/slides/p3568-slides.pptx
@@ -5034,14 +5034,14 @@
             <a:pPr lvl="1" algn="ctr"/>
             <a:r>
               <a:rPr lang="de-DE" sz="3200" b="1" dirty="0"/>
-              <a:t>WG21 P3568</a:t>
+              <a:t>WG14 N3355</a:t>
             </a:r>
           </a:p>
           <a:p>
             <a:pPr lvl="1" algn="ctr"/>
             <a:r>
               <a:rPr lang="de-DE" sz="2000" b="1" dirty="0"/>
-              <a:t>Double down on WG14 N3355</a:t>
+              <a:t>With P3568 Relaxations</a:t>
             </a:r>
           </a:p>
           <a:p>
@@ -5920,8 +5920,8 @@
         </p:nvSpPr>
         <p:spPr>
           <a:xfrm>
-            <a:off x="6483350" y="2230535"/>
-            <a:ext cx="5213350" cy="3236105"/>
+            <a:off x="6483350" y="2180255"/>
+            <a:ext cx="5213350" cy="3286385"/>
           </a:xfrm>
           <a:prstGeom prst="rect">
             <a:avLst/>
@@ -6429,6 +6429,55 @@
               </a:rPr>
               <a:t> // error</a:t>
             </a:r>
+          </a:p>
+        </p:txBody>
+      </p:sp>
+      <p:sp>
+        <p:nvSpPr>
+          <p:cNvPr id="6" name="TextBox 5">
+            <a:extLst>
+              <a:ext uri="{FF2B5EF4-FFF2-40B4-BE49-F238E27FC236}">
+                <a16:creationId xmlns:a16="http://schemas.microsoft.com/office/drawing/2014/main" id="{C8D186CF-0407-3F29-2EAC-9E243A2BAB84}"/>
+              </a:ext>
+            </a:extLst>
+          </p:cNvPr>
+          <p:cNvSpPr txBox="1"/>
+          <p:nvPr/>
+        </p:nvSpPr>
+        <p:spPr>
+          <a:xfrm>
+            <a:off x="4997385" y="3023118"/>
+            <a:ext cx="1670181" cy="1015663"/>
+          </a:xfrm>
+          <a:prstGeom prst="rect">
+            <a:avLst/>
+          </a:prstGeom>
+          <a:noFill/>
+        </p:spPr>
+        <p:txBody>
+          <a:bodyPr wrap="square" rtlCol="0">
+            <a:spAutoFit/>
+          </a:bodyPr>
+          <a:lstStyle/>
+          <a:p>
+            <a:pPr algn="ctr"/>
+            <a:r>
+              <a:rPr lang="en-US" sz="6000" b="1" i="1" dirty="0">
+                <a:solidFill>
+                  <a:schemeClr val="bg1">
+                    <a:lumMod val="75000"/>
+                  </a:schemeClr>
+                </a:solidFill>
+              </a:rPr>
+              <a:t>VS</a:t>
+            </a:r>
+            <a:endParaRPr lang="en-DE" sz="6000" b="1" i="1" dirty="0">
+              <a:solidFill>
+                <a:schemeClr val="bg1">
+                  <a:lumMod val="75000"/>
+                </a:schemeClr>
+              </a:solidFill>
+            </a:endParaRPr>
           </a:p>
         </p:txBody>
       </p:sp>
